--- a/Презентация_МГТУ_ВКР.pptx
+++ b/Презентация_МГТУ_ВКР.pptx
@@ -21,14 +21,15 @@
     <p:sldId id="267" r:id="rId14"/>
     <p:sldId id="268" r:id="rId15"/>
     <p:sldId id="269" r:id="rId16"/>
-    <p:sldId id="260" r:id="rId17"/>
+    <p:sldId id="275" r:id="rId17"/>
+    <p:sldId id="260" r:id="rId18"/>
   </p:sldIdLst>
   <p:sldSz cx="12192000" cy="6858000"/>
   <p:notesSz cx="6858000" cy="9144000"/>
   <p:embeddedFontLst>
     <p:embeddedFont>
       <p:font typeface="Open Sans"/>
-      <p:regular r:id="rId21"/>
+      <p:regular r:id="rId22"/>
     </p:embeddedFont>
   </p:embeddedFontLst>
   <p:defaultTextStyle>
@@ -1222,6 +1223,110 @@
 </file>
 
 <file path=ppt/notesSlides/notesSlide14.xml><?xml version="1.0" encoding="utf-8"?>
+<p:notes xmlns:a="http://schemas.openxmlformats.org/drawingml/2006/main" xmlns:r="http://schemas.openxmlformats.org/officeDocument/2006/relationships" xmlns:p="http://schemas.openxmlformats.org/presentationml/2006/main" showMasterPhAnim="0" showMasterSp="0">
+  <p:cSld>
+    <p:spTree>
+      <p:nvGrpSpPr>
+        <p:cNvPr id="1" name="Shape 128"/>
+        <p:cNvGrpSpPr/>
+        <p:nvPr/>
+      </p:nvGrpSpPr>
+      <p:grpSpPr>
+        <a:xfrm>
+          <a:off x="0" y="0"/>
+          <a:ext cx="0" cy="0"/>
+          <a:chOff x="0" y="0"/>
+          <a:chExt cx="0" cy="0"/>
+        </a:xfrm>
+      </p:grpSpPr>
+      <p:sp>
+        <p:nvSpPr>
+          <p:cNvPr id="129" name="Google Shape;129;g122d8a19e0b_0_11:notes"/>
+          <p:cNvSpPr>
+            <a:spLocks noGrp="1" noRot="1" noChangeAspect="1"/>
+          </p:cNvSpPr>
+          <p:nvPr>
+            <p:ph type="sldImg" idx="2"/>
+          </p:nvPr>
+        </p:nvSpPr>
+        <p:spPr>
+          <a:xfrm>
+            <a:off x="381000" y="685800"/>
+            <a:ext cx="6096000" cy="3429000"/>
+          </a:xfrm>
+          <a:custGeom>
+            <a:avLst/>
+            <a:gdLst/>
+            <a:ahLst/>
+            <a:cxnLst/>
+            <a:rect l="l" t="t" r="r" b="b"/>
+            <a:pathLst>
+              <a:path w="120000" h="120000" extrusionOk="0">
+                <a:moveTo>
+                  <a:pt x="0" y="0"/>
+                </a:moveTo>
+                <a:lnTo>
+                  <a:pt x="120000" y="0"/>
+                </a:lnTo>
+                <a:lnTo>
+                  <a:pt x="120000" y="120000"/>
+                </a:lnTo>
+                <a:lnTo>
+                  <a:pt x="0" y="120000"/>
+                </a:lnTo>
+                <a:close/>
+              </a:path>
+            </a:pathLst>
+          </a:custGeom>
+        </p:spPr>
+      </p:sp>
+      <p:sp>
+        <p:nvSpPr>
+          <p:cNvPr id="130" name="Google Shape;130;g122d8a19e0b_0_11:notes"/>
+          <p:cNvSpPr txBox="1">
+            <a:spLocks noGrp="1"/>
+          </p:cNvSpPr>
+          <p:nvPr>
+            <p:ph type="body" idx="1"/>
+          </p:nvPr>
+        </p:nvSpPr>
+        <p:spPr>
+          <a:xfrm>
+            <a:off x="685800" y="4343400"/>
+            <a:ext cx="5486400" cy="4114800"/>
+          </a:xfrm>
+          <a:prstGeom prst="rect">
+            <a:avLst/>
+          </a:prstGeom>
+        </p:spPr>
+        <p:txBody>
+          <a:bodyPr spcFirstLastPara="1" wrap="square" lIns="91425" tIns="91425" rIns="91425" bIns="91425" anchor="t" anchorCtr="0">
+            <a:noAutofit/>
+          </a:bodyPr>
+          <a:lstStyle/>
+          <a:p>
+            <a:pPr marL="0" lvl="0" indent="0" algn="l" rtl="0">
+              <a:spcBef>
+                <a:spcPts val="0"/>
+              </a:spcBef>
+              <a:spcAft>
+                <a:spcPts val="0"/>
+              </a:spcAft>
+              <a:buNone/>
+            </a:pPr>
+            <a:endParaRPr dirty="0"/>
+          </a:p>
+        </p:txBody>
+      </p:sp>
+    </p:spTree>
+  </p:cSld>
+  <p:clrMapOvr>
+    <a:masterClrMapping/>
+  </p:clrMapOvr>
+</p:notes>
+</file>
+
+<file path=ppt/notesSlides/notesSlide15.xml><?xml version="1.0" encoding="utf-8"?>
 <p:notes xmlns:a="http://schemas.openxmlformats.org/drawingml/2006/main" xmlns:r="http://schemas.openxmlformats.org/officeDocument/2006/relationships" xmlns:p="http://schemas.openxmlformats.org/presentationml/2006/main" showMasterPhAnim="0" showMasterSp="0">
   <p:cSld>
     <p:spTree>
@@ -15156,6 +15261,198 @@
   <p:cSld>
     <p:spTree>
       <p:nvGrpSpPr>
+        <p:cNvPr id="1" name="Shape 131"/>
+        <p:cNvGrpSpPr/>
+        <p:nvPr/>
+      </p:nvGrpSpPr>
+      <p:grpSpPr>
+        <a:xfrm>
+          <a:off x="0" y="0"/>
+          <a:ext cx="0" cy="0"/>
+          <a:chOff x="0" y="0"/>
+          <a:chExt cx="0" cy="0"/>
+        </a:xfrm>
+      </p:grpSpPr>
+      <p:sp>
+        <p:nvSpPr>
+          <p:cNvPr id="132" name="Google Shape;132;g122d8a19e0b_0_11"/>
+          <p:cNvSpPr txBox="1">
+            <a:spLocks noGrp="1"/>
+          </p:cNvSpPr>
+          <p:nvPr>
+            <p:ph type="title"/>
+          </p:nvPr>
+        </p:nvSpPr>
+        <p:spPr>
+          <a:xfrm>
+            <a:off x="404447" y="132069"/>
+            <a:ext cx="11350800" cy="826200"/>
+          </a:xfrm>
+          <a:prstGeom prst="rect">
+            <a:avLst/>
+          </a:prstGeom>
+        </p:spPr>
+        <p:txBody>
+          <a:bodyPr spcFirstLastPara="1" wrap="square" lIns="91425" tIns="45700" rIns="91425" bIns="45700" anchor="ctr" anchorCtr="0">
+            <a:normAutofit/>
+          </a:bodyPr>
+          <a:lstStyle/>
+          <a:p>
+            <a:pPr lvl="0" algn="ctr"/>
+            <a:r>
+              <a:rPr lang="ru-RU" spc="300" dirty="0">
+                <a:latin typeface="Times New Roman Regular" panose="02020603050405020304" charset="0"/>
+                <a:ea typeface="Tahoma" panose="020B0604030504040204" pitchFamily="34" charset="0"/>
+                <a:cs typeface="Times New Roman Regular" panose="02020603050405020304" charset="0"/>
+              </a:rPr>
+              <a:t>Разработка приложения </a:t>
+            </a:r>
+            <a:r>
+              <a:rPr lang="en-US" spc="300" dirty="0">
+                <a:latin typeface="Times New Roman Regular" panose="02020603050405020304" charset="0"/>
+                <a:ea typeface="Tahoma" panose="020B0604030504040204" pitchFamily="34" charset="0"/>
+                <a:cs typeface="Times New Roman Regular" panose="02020603050405020304" charset="0"/>
+              </a:rPr>
+              <a:t>Flask</a:t>
+            </a:r>
+            <a:endParaRPr lang="en-US" spc="300" dirty="0">
+              <a:latin typeface="Times New Roman Regular" panose="02020603050405020304" charset="0"/>
+              <a:ea typeface="Tahoma" panose="020B0604030504040204" pitchFamily="34" charset="0"/>
+              <a:cs typeface="Times New Roman Regular" panose="02020603050405020304" charset="0"/>
+            </a:endParaRPr>
+          </a:p>
+        </p:txBody>
+      </p:sp>
+      <p:sp>
+        <p:nvSpPr>
+          <p:cNvPr id="134" name="Google Shape;134;g122d8a19e0b_0_11"/>
+          <p:cNvSpPr txBox="1">
+            <a:spLocks noGrp="1"/>
+          </p:cNvSpPr>
+          <p:nvPr>
+            <p:ph type="sldNum" idx="12"/>
+          </p:nvPr>
+        </p:nvSpPr>
+        <p:spPr>
+          <a:xfrm>
+            <a:off x="668287" y="6360806"/>
+            <a:ext cx="838200" cy="365100"/>
+          </a:xfrm>
+          <a:prstGeom prst="rect">
+            <a:avLst/>
+          </a:prstGeom>
+        </p:spPr>
+        <p:txBody>
+          <a:bodyPr spcFirstLastPara="1" wrap="square" lIns="91425" tIns="45700" rIns="91425" bIns="45700" anchor="ctr" anchorCtr="0">
+            <a:noAutofit/>
+          </a:bodyPr>
+          <a:lstStyle/>
+          <a:p>
+            <a:pPr marL="0" lvl="0" indent="0" algn="l" rtl="0">
+              <a:spcBef>
+                <a:spcPts val="0"/>
+              </a:spcBef>
+              <a:spcAft>
+                <a:spcPts val="0"/>
+              </a:spcAft>
+              <a:buClr>
+                <a:srgbClr val="000000"/>
+              </a:buClr>
+              <a:buFont typeface="Arial" panose="020B0604020202020204"/>
+              <a:buNone/>
+            </a:pPr>
+            <a:fld id="{00000000-1234-1234-1234-123412341234}" type="slidenum">
+              <a:rPr lang="ru-RU"/>
+            </a:fld>
+            <a:endParaRPr lang="ru-RU"/>
+          </a:p>
+        </p:txBody>
+      </p:sp>
+      <p:pic>
+        <p:nvPicPr>
+          <p:cNvPr id="3" name="Рисунок 2"/>
+          <p:cNvPicPr>
+            <a:picLocks noChangeAspect="1"/>
+          </p:cNvPicPr>
+          <p:nvPr/>
+        </p:nvPicPr>
+        <p:blipFill>
+          <a:blip r:embed="rId1">
+            <a:extLst>
+              <a:ext uri="{28A0092B-C50C-407E-A947-70E740481C1C}">
+                <a14:useLocalDpi xmlns:a14="http://schemas.microsoft.com/office/drawing/2010/main" val="0"/>
+              </a:ext>
+            </a:extLst>
+          </a:blip>
+          <a:stretch>
+            <a:fillRect/>
+          </a:stretch>
+        </p:blipFill>
+        <p:spPr>
+          <a:xfrm>
+            <a:off x="668287" y="1199243"/>
+            <a:ext cx="5174196" cy="4665033"/>
+          </a:xfrm>
+          <a:prstGeom prst="rect">
+            <a:avLst/>
+          </a:prstGeom>
+        </p:spPr>
+      </p:pic>
+      <p:pic>
+        <p:nvPicPr>
+          <p:cNvPr id="2" name="Рисунок 1"/>
+          <p:cNvPicPr>
+            <a:picLocks noChangeAspect="1"/>
+          </p:cNvPicPr>
+          <p:nvPr/>
+        </p:nvPicPr>
+        <p:blipFill>
+          <a:blip r:embed="rId2">
+            <a:extLst>
+              <a:ext uri="{28A0092B-C50C-407E-A947-70E740481C1C}">
+                <a14:useLocalDpi xmlns:a14="http://schemas.microsoft.com/office/drawing/2010/main" val="0"/>
+              </a:ext>
+            </a:extLst>
+          </a:blip>
+          <a:stretch>
+            <a:fillRect/>
+          </a:stretch>
+        </p:blipFill>
+        <p:spPr>
+          <a:xfrm>
+            <a:off x="6358521" y="1199243"/>
+            <a:ext cx="4671347" cy="4665033"/>
+          </a:xfrm>
+          <a:prstGeom prst="rect">
+            <a:avLst/>
+          </a:prstGeom>
+        </p:spPr>
+      </p:pic>
+    </p:spTree>
+  </p:cSld>
+  <p:clrMapOvr>
+    <a:masterClrMapping/>
+  </p:clrMapOvr>
+  <mc:AlternateContent xmlns:mc="http://schemas.openxmlformats.org/markup-compatibility/2006">
+    <mc:Choice xmlns:p14="http://schemas.microsoft.com/office/powerpoint/2010/main" Requires="p14">
+      <p:transition spd="slow" p14:dur="2500">
+        <p:checker dir="vert"/>
+      </p:transition>
+    </mc:Choice>
+    <mc:Fallback>
+      <p:transition spd="slow">
+        <p:checker dir="vert"/>
+      </p:transition>
+    </mc:Fallback>
+  </mc:AlternateContent>
+</p:sld>
+</file>
+
+<file path=ppt/slides/slide15.xml><?xml version="1.0" encoding="utf-8"?>
+<p:sld xmlns:a="http://schemas.openxmlformats.org/drawingml/2006/main" xmlns:r="http://schemas.openxmlformats.org/officeDocument/2006/relationships" xmlns:p="http://schemas.openxmlformats.org/presentationml/2006/main">
+  <p:cSld>
+    <p:spTree>
+      <p:nvGrpSpPr>
         <p:cNvPr id="1" name="Shape 138"/>
         <p:cNvGrpSpPr/>
         <p:nvPr/>
